--- a/Teaching/Courses/W23/CIS343/LectureNotes/cis343_introduction.pptx
+++ b/Teaching/Courses/W23/CIS343/LectureNotes/cis343_introduction.pptx
@@ -252,7 +252,7 @@
           <a:p>
             <a:fld id="{4350BF67-619C-2947-A7A1-BC088521AA5B}" type="datetimeFigureOut">
               <a:rPr lang="en-US" smtClean="0"/>
-              <a:t>12/28/22</a:t>
+              <a:t>1/10/23</a:t>
             </a:fld>
             <a:endParaRPr lang="en-US"/>
           </a:p>
@@ -422,7 +422,7 @@
           <a:p>
             <a:fld id="{4350BF67-619C-2947-A7A1-BC088521AA5B}" type="datetimeFigureOut">
               <a:rPr lang="en-US" smtClean="0"/>
-              <a:t>12/28/22</a:t>
+              <a:t>1/10/23</a:t>
             </a:fld>
             <a:endParaRPr lang="en-US"/>
           </a:p>
@@ -602,7 +602,7 @@
           <a:p>
             <a:fld id="{4350BF67-619C-2947-A7A1-BC088521AA5B}" type="datetimeFigureOut">
               <a:rPr lang="en-US" smtClean="0"/>
-              <a:t>12/28/22</a:t>
+              <a:t>1/10/23</a:t>
             </a:fld>
             <a:endParaRPr lang="en-US"/>
           </a:p>
@@ -772,7 +772,7 @@
           <a:p>
             <a:fld id="{4350BF67-619C-2947-A7A1-BC088521AA5B}" type="datetimeFigureOut">
               <a:rPr lang="en-US" smtClean="0"/>
-              <a:t>12/28/22</a:t>
+              <a:t>1/10/23</a:t>
             </a:fld>
             <a:endParaRPr lang="en-US"/>
           </a:p>
@@ -1016,7 +1016,7 @@
           <a:p>
             <a:fld id="{4350BF67-619C-2947-A7A1-BC088521AA5B}" type="datetimeFigureOut">
               <a:rPr lang="en-US" smtClean="0"/>
-              <a:t>12/28/22</a:t>
+              <a:t>1/10/23</a:t>
             </a:fld>
             <a:endParaRPr lang="en-US"/>
           </a:p>
@@ -1248,7 +1248,7 @@
           <a:p>
             <a:fld id="{4350BF67-619C-2947-A7A1-BC088521AA5B}" type="datetimeFigureOut">
               <a:rPr lang="en-US" smtClean="0"/>
-              <a:t>12/28/22</a:t>
+              <a:t>1/10/23</a:t>
             </a:fld>
             <a:endParaRPr lang="en-US"/>
           </a:p>
@@ -1615,7 +1615,7 @@
           <a:p>
             <a:fld id="{4350BF67-619C-2947-A7A1-BC088521AA5B}" type="datetimeFigureOut">
               <a:rPr lang="en-US" smtClean="0"/>
-              <a:t>12/28/22</a:t>
+              <a:t>1/10/23</a:t>
             </a:fld>
             <a:endParaRPr lang="en-US"/>
           </a:p>
@@ -1733,7 +1733,7 @@
           <a:p>
             <a:fld id="{4350BF67-619C-2947-A7A1-BC088521AA5B}" type="datetimeFigureOut">
               <a:rPr lang="en-US" smtClean="0"/>
-              <a:t>12/28/22</a:t>
+              <a:t>1/10/23</a:t>
             </a:fld>
             <a:endParaRPr lang="en-US"/>
           </a:p>
@@ -1828,7 +1828,7 @@
           <a:p>
             <a:fld id="{4350BF67-619C-2947-A7A1-BC088521AA5B}" type="datetimeFigureOut">
               <a:rPr lang="en-US" smtClean="0"/>
-              <a:t>12/28/22</a:t>
+              <a:t>1/10/23</a:t>
             </a:fld>
             <a:endParaRPr lang="en-US"/>
           </a:p>
@@ -2105,7 +2105,7 @@
           <a:p>
             <a:fld id="{4350BF67-619C-2947-A7A1-BC088521AA5B}" type="datetimeFigureOut">
               <a:rPr lang="en-US" smtClean="0"/>
-              <a:t>12/28/22</a:t>
+              <a:t>1/10/23</a:t>
             </a:fld>
             <a:endParaRPr lang="en-US"/>
           </a:p>
@@ -2362,7 +2362,7 @@
           <a:p>
             <a:fld id="{4350BF67-619C-2947-A7A1-BC088521AA5B}" type="datetimeFigureOut">
               <a:rPr lang="en-US" smtClean="0"/>
-              <a:t>12/28/22</a:t>
+              <a:t>1/10/23</a:t>
             </a:fld>
             <a:endParaRPr lang="en-US"/>
           </a:p>
@@ -2575,7 +2575,7 @@
           <a:p>
             <a:fld id="{4350BF67-619C-2947-A7A1-BC088521AA5B}" type="datetimeFigureOut">
               <a:rPr lang="en-US" smtClean="0"/>
-              <a:t>12/28/22</a:t>
+              <a:t>1/10/23</a:t>
             </a:fld>
             <a:endParaRPr lang="en-US"/>
           </a:p>
@@ -6314,6 +6314,13 @@
             </a:r>
           </a:p>
           <a:p>
+            <a:pPr lvl="2"/>
+            <a:r>
+              <a:rPr lang="en-US" sz="1400" dirty="0"/>
+              <a:t>You can ask for a missing feature by name rather than trying to describe it</a:t>
+            </a:r>
+          </a:p>
+          <a:p>
             <a:pPr lvl="1"/>
             <a:r>
               <a:rPr lang="en-US" sz="1800" dirty="0"/>
@@ -6689,33 +6696,15 @@
                                   </p:childTnLst>
                                 </p:cTn>
                               </p:par>
-                            </p:childTnLst>
-                          </p:cTn>
-                        </p:par>
-                      </p:childTnLst>
-                    </p:cTn>
-                  </p:par>
-                  <p:par>
-                    <p:cTn id="31" fill="hold">
-                      <p:stCondLst>
-                        <p:cond delay="indefinite"/>
-                      </p:stCondLst>
-                      <p:childTnLst>
-                        <p:par>
-                          <p:cTn id="32" fill="hold">
-                            <p:stCondLst>
-                              <p:cond delay="0"/>
-                            </p:stCondLst>
-                            <p:childTnLst>
                               <p:par>
-                                <p:cTn id="33" presetID="1" presetClass="entr" presetSubtype="0" fill="hold" grpId="0" nodeType="clickEffect">
+                                <p:cTn id="31" presetID="1" presetClass="entr" presetSubtype="0" fill="hold" grpId="0" nodeType="withEffect">
                                   <p:stCondLst>
                                     <p:cond delay="0"/>
                                   </p:stCondLst>
                                   <p:childTnLst>
                                     <p:set>
                                       <p:cBhvr>
-                                        <p:cTn id="34" dur="1" fill="hold">
+                                        <p:cTn id="32" dur="1" fill="hold">
                                           <p:stCondLst>
                                             <p:cond delay="0"/>
                                           </p:stCondLst>
@@ -6724,6 +6713,55 @@
                                           <p:spTgt spid="3">
                                             <p:txEl>
                                               <p:pRg st="8" end="8"/>
+                                            </p:txEl>
+                                          </p:spTgt>
+                                        </p:tgtEl>
+                                        <p:attrNameLst>
+                                          <p:attrName>style.visibility</p:attrName>
+                                        </p:attrNameLst>
+                                      </p:cBhvr>
+                                      <p:to>
+                                        <p:strVal val="visible"/>
+                                      </p:to>
+                                    </p:set>
+                                  </p:childTnLst>
+                                </p:cTn>
+                              </p:par>
+                            </p:childTnLst>
+                          </p:cTn>
+                        </p:par>
+                      </p:childTnLst>
+                    </p:cTn>
+                  </p:par>
+                  <p:par>
+                    <p:cTn id="33" fill="hold">
+                      <p:stCondLst>
+                        <p:cond delay="indefinite"/>
+                      </p:stCondLst>
+                      <p:childTnLst>
+                        <p:par>
+                          <p:cTn id="34" fill="hold">
+                            <p:stCondLst>
+                              <p:cond delay="0"/>
+                            </p:stCondLst>
+                            <p:childTnLst>
+                              <p:par>
+                                <p:cTn id="35" presetID="1" presetClass="entr" presetSubtype="0" fill="hold" grpId="0" nodeType="clickEffect">
+                                  <p:stCondLst>
+                                    <p:cond delay="0"/>
+                                  </p:stCondLst>
+                                  <p:childTnLst>
+                                    <p:set>
+                                      <p:cBhvr>
+                                        <p:cTn id="36" dur="1" fill="hold">
+                                          <p:stCondLst>
+                                            <p:cond delay="0"/>
+                                          </p:stCondLst>
+                                        </p:cTn>
+                                        <p:tgtEl>
+                                          <p:spTgt spid="3">
+                                            <p:txEl>
+                                              <p:pRg st="9" end="9"/>
                                             </p:txEl>
                                           </p:spTgt>
                                         </p:tgtEl>
@@ -6889,8 +6927,13 @@
           <a:p>
             <a:r>
               <a:rPr lang="en-US" sz="2200" dirty="0"/>
-              <a:t>Consider dynamic programming (e.g., recursive Fibonacci)</a:t>
-            </a:r>
+              <a:t>Consider dynamic programming (e.g., recursive </a:t>
+            </a:r>
+            <a:r>
+              <a:rPr lang="en-US" sz="2200"/>
+              <a:t>Fibonacci with cache)</a:t>
+            </a:r>
+            <a:endParaRPr lang="en-US" sz="2200" dirty="0"/>
           </a:p>
           <a:p>
             <a:pPr lvl="1"/>
@@ -6903,13 +6946,8 @@
             <a:pPr lvl="1"/>
             <a:r>
               <a:rPr lang="en-US" sz="1800" dirty="0"/>
-              <a:t>You can implement this algorithm in C; but, if you aren’t familiar with Python (or some other language with dictionaries), the approach may </a:t>
-            </a:r>
-            <a:r>
-              <a:rPr lang="en-US" sz="1800"/>
-              <a:t>not occur to you.</a:t>
-            </a:r>
-            <a:endParaRPr lang="en-US" sz="1800" dirty="0"/>
+              <a:t>You can implement this algorithm in C; but, if you aren’t familiar with Python (or some other language with dictionaries), the approach may not occur to you.</a:t>
+            </a:r>
           </a:p>
           <a:p>
             <a:pPr marL="457200" lvl="1" indent="0">
